--- a/EDA & Report Analysis/Report Sentiment Analysis.pptx
+++ b/EDA & Report Analysis/Report Sentiment Analysis.pptx
@@ -19,6 +19,7 @@
     <p:sldId id="267" r:id="rId35"/>
     <p:sldId id="268" r:id="rId36"/>
     <p:sldId id="269" r:id="rId37"/>
+    <p:sldId id="270" r:id="rId38"/>
   </p:sldIdLst>
   <p:sldSz cx="18288000" cy="10287000"/>
   <p:notesSz cx="6858000" cy="9144000"/>
@@ -3916,6 +3917,122 @@
           <p:nvPr/>
         </p:nvSpPr>
         <p:spPr>
+          <a:xfrm flipH="false" flipV="false" rot="0">
+            <a:off x="878468" y="1758584"/>
+            <a:ext cx="16531064" cy="7499716"/>
+          </a:xfrm>
+          <a:custGeom>
+            <a:avLst/>
+            <a:gdLst/>
+            <a:ahLst/>
+            <a:cxnLst/>
+            <a:rect r="r" b="b" t="t" l="l"/>
+            <a:pathLst>
+              <a:path h="7499716" w="16531064">
+                <a:moveTo>
+                  <a:pt x="0" y="0"/>
+                </a:moveTo>
+                <a:lnTo>
+                  <a:pt x="16531064" y="0"/>
+                </a:lnTo>
+                <a:lnTo>
+                  <a:pt x="16531064" y="7499716"/>
+                </a:lnTo>
+                <a:lnTo>
+                  <a:pt x="0" y="7499716"/>
+                </a:lnTo>
+                <a:lnTo>
+                  <a:pt x="0" y="0"/>
+                </a:lnTo>
+                <a:close/>
+              </a:path>
+            </a:pathLst>
+          </a:custGeom>
+          <a:blipFill>
+            <a:blip r:embed="rId2"/>
+            <a:stretch>
+              <a:fillRect l="0" t="0" r="0" b="0"/>
+            </a:stretch>
+          </a:blipFill>
+        </p:spPr>
+      </p:sp>
+      <p:sp>
+        <p:nvSpPr>
+          <p:cNvPr name="TextBox 3" id="3"/>
+          <p:cNvSpPr txBox="true"/>
+          <p:nvPr/>
+        </p:nvSpPr>
+        <p:spPr>
+          <a:xfrm rot="0">
+            <a:off x="5502444" y="403024"/>
+            <a:ext cx="7283112" cy="1298977"/>
+          </a:xfrm>
+          <a:prstGeom prst="rect">
+            <a:avLst/>
+          </a:prstGeom>
+        </p:spPr>
+        <p:txBody>
+          <a:bodyPr anchor="t" rtlCol="false" tIns="0" lIns="0" bIns="0" rIns="0">
+            <a:spAutoFit/>
+          </a:bodyPr>
+          <a:lstStyle/>
+          <a:p>
+            <a:pPr algn="ctr">
+              <a:lnSpc>
+                <a:spcPts val="5039"/>
+              </a:lnSpc>
+            </a:pPr>
+            <a:r>
+              <a:rPr lang="en-US" sz="4709">
+                <a:solidFill>
+                  <a:srgbClr val="3C3C3C"/>
+                </a:solidFill>
+                <a:latin typeface="Aileron Bold"/>
+              </a:rPr>
+              <a:t>Visualiasi Training and Validation</a:t>
+            </a:r>
+          </a:p>
+        </p:txBody>
+      </p:sp>
+    </p:spTree>
+  </p:cSld>
+  <p:clrMapOvr>
+    <a:masterClrMapping/>
+  </p:clrMapOvr>
+</p:sld>
+</file>
+
+<file path=ppt/slides/slide11.xml><?xml version="1.0" encoding="utf-8"?>
+<p:sld xmlns:p="http://schemas.openxmlformats.org/presentationml/2006/main" xmlns:a="http://schemas.openxmlformats.org/drawingml/2006/main" xmlns:r="http://schemas.openxmlformats.org/officeDocument/2006/relationships">
+  <p:cSld>
+    <p:bg>
+      <p:bgPr>
+        <a:solidFill>
+          <a:srgbClr val="F8F3F0"/>
+        </a:solidFill>
+      </p:bgPr>
+    </p:bg>
+    <p:spTree>
+      <p:nvGrpSpPr>
+        <p:cNvPr id="1" name=""/>
+        <p:cNvGrpSpPr/>
+        <p:nvPr/>
+      </p:nvGrpSpPr>
+      <p:grpSpPr>
+        <a:xfrm>
+          <a:off x="0" y="0"/>
+          <a:ext cx="0" cy="0"/>
+          <a:chOff x="0" y="0"/>
+          <a:chExt cx="0" cy="0"/>
+        </a:xfrm>
+      </p:grpSpPr>
+      <p:sp>
+        <p:nvSpPr>
+          <p:cNvPr name="Freeform 2" id="2"/>
+          <p:cNvSpPr/>
+          <p:nvPr/>
+        </p:nvSpPr>
+        <p:spPr>
           <a:xfrm flipH="false" flipV="false" rot="1295726">
             <a:off x="-5282231" y="-7243759"/>
             <a:ext cx="16615040" cy="20806262"/>
@@ -4540,7 +4657,7 @@
 </p:sld>
 </file>
 
-<file path=ppt/slides/slide11.xml><?xml version="1.0" encoding="utf-8"?>
+<file path=ppt/slides/slide12.xml><?xml version="1.0" encoding="utf-8"?>
 <p:sld xmlns:p="http://schemas.openxmlformats.org/presentationml/2006/main" xmlns:a="http://schemas.openxmlformats.org/drawingml/2006/main" xmlns:r="http://schemas.openxmlformats.org/officeDocument/2006/relationships">
   <p:cSld>
     <p:bg>
@@ -4999,7 +5116,7 @@
 </p:sld>
 </file>
 
-<file path=ppt/slides/slide12.xml><?xml version="1.0" encoding="utf-8"?>
+<file path=ppt/slides/slide13.xml><?xml version="1.0" encoding="utf-8"?>
 <p:sld xmlns:p="http://schemas.openxmlformats.org/presentationml/2006/main" xmlns:a="http://schemas.openxmlformats.org/drawingml/2006/main" xmlns:r="http://schemas.openxmlformats.org/officeDocument/2006/relationships">
   <p:cSld>
     <p:bg>
@@ -5628,7 +5745,7 @@
 </p:sld>
 </file>
 
-<file path=ppt/slides/slide13.xml><?xml version="1.0" encoding="utf-8"?>
+<file path=ppt/slides/slide14.xml><?xml version="1.0" encoding="utf-8"?>
 <p:sld xmlns:p="http://schemas.openxmlformats.org/presentationml/2006/main" xmlns:a="http://schemas.openxmlformats.org/drawingml/2006/main" xmlns:r="http://schemas.openxmlformats.org/officeDocument/2006/relationships">
   <p:cSld>
     <p:bg>
@@ -6087,7 +6204,7 @@
 </p:sld>
 </file>
 
-<file path=ppt/slides/slide14.xml><?xml version="1.0" encoding="utf-8"?>
+<file path=ppt/slides/slide15.xml><?xml version="1.0" encoding="utf-8"?>
 <p:sld xmlns:p="http://schemas.openxmlformats.org/presentationml/2006/main" xmlns:a="http://schemas.openxmlformats.org/drawingml/2006/main" xmlns:r="http://schemas.openxmlformats.org/officeDocument/2006/relationships">
   <p:cSld>
     <p:bg>
@@ -8031,7 +8148,7 @@
         <p:spPr>
           <a:xfrm rot="0">
             <a:off x="10861648" y="5747068"/>
-            <a:ext cx="6397652" cy="3511232"/>
+            <a:ext cx="6397652" cy="3130232"/>
           </a:xfrm>
           <a:prstGeom prst="rect">
             <a:avLst/>
@@ -8071,7 +8188,7 @@
                 </a:solidFill>
                 <a:latin typeface="Aileron"/>
               </a:rPr>
-              <a:t>MLP adalah jenis jaringan saraf tiruan yang terdiri dari beberapa lapisan neuron yang saling terhubung satu sama lain.MLP digunakan untuk mempelajari pola-pola yang kompleks dan non-linear pada data input seperti, pengenalan wajah, prediksi harga saham, dan pengenalan pola pada teks</a:t>
+              <a:t>MLP adalah jenis jaringan saraf tiruan yang terdiri dari beberapa lapisan neuron yang saling terhubung satu sama lain. MLP digunakan untuk mempelajari pola-pola yang kompleks dan non-linear pada data input seperti, pengenalan wajah, prediksi harga saham, dan pengenalan pola pada teks</a:t>
             </a:r>
           </a:p>
         </p:txBody>
